--- a/KBO 외국인 투수 분석.pptx
+++ b/KBO 외국인 투수 분석.pptx
@@ -9,9 +9,12 @@
     <p:sldId id="257" r:id="rId3"/>
     <p:sldId id="258" r:id="rId4"/>
     <p:sldId id="260" r:id="rId5"/>
-    <p:sldId id="261" r:id="rId6"/>
-    <p:sldId id="259" r:id="rId7"/>
-    <p:sldId id="262" r:id="rId8"/>
+    <p:sldId id="264" r:id="rId6"/>
+    <p:sldId id="261" r:id="rId7"/>
+    <p:sldId id="259" r:id="rId8"/>
+    <p:sldId id="262" r:id="rId9"/>
+    <p:sldId id="265" r:id="rId10"/>
+    <p:sldId id="267" r:id="rId11"/>
   </p:sldIdLst>
   <p:sldSz cx="12192000" cy="6858000"/>
   <p:notesSz cx="6858000" cy="9144000"/>
@@ -110,6 +113,11 @@
       </a:defRPr>
     </a:lvl9pPr>
   </p:defaultTextStyle>
+  <p:extLst>
+    <p:ext uri="{EFAFB233-063F-42B5-8137-9DF3F51BA10A}">
+      <p15:sldGuideLst xmlns:p15="http://schemas.microsoft.com/office/powerpoint/2012/main"/>
+    </p:ext>
+  </p:extLst>
 </p:presentation>
 </file>
 
@@ -260,7 +268,7 @@
           <a:p>
             <a:fld id="{76969C88-B244-455D-A017-012B25B1ACDD}" type="datetimeFigureOut">
               <a:rPr lang="en-US" smtClean="0"/>
-              <a:t>10/16/2023</a:t>
+              <a:t>10/17/23</a:t>
             </a:fld>
             <a:endParaRPr lang="en-US"/>
           </a:p>
@@ -458,7 +466,7 @@
           <a:p>
             <a:fld id="{76969C88-B244-455D-A017-012B25B1ACDD}" type="datetimeFigureOut">
               <a:rPr lang="en-US" smtClean="0"/>
-              <a:t>10/16/2023</a:t>
+              <a:t>10/17/23</a:t>
             </a:fld>
             <a:endParaRPr lang="en-US"/>
           </a:p>
@@ -666,7 +674,7 @@
           <a:p>
             <a:fld id="{76969C88-B244-455D-A017-012B25B1ACDD}" type="datetimeFigureOut">
               <a:rPr lang="en-US" smtClean="0"/>
-              <a:t>10/16/2023</a:t>
+              <a:t>10/17/23</a:t>
             </a:fld>
             <a:endParaRPr lang="en-US"/>
           </a:p>
@@ -865,7 +873,7 @@
           <a:p>
             <a:fld id="{76969C88-B244-455D-A017-012B25B1ACDD}" type="datetimeFigureOut">
               <a:rPr lang="en-US" smtClean="0"/>
-              <a:t>10/16/2023</a:t>
+              <a:t>10/17/23</a:t>
             </a:fld>
             <a:endParaRPr lang="en-US"/>
           </a:p>
@@ -1140,7 +1148,7 @@
           <a:p>
             <a:fld id="{76969C88-B244-455D-A017-012B25B1ACDD}" type="datetimeFigureOut">
               <a:rPr lang="en-US" smtClean="0"/>
-              <a:t>10/16/2023</a:t>
+              <a:t>10/17/23</a:t>
             </a:fld>
             <a:endParaRPr lang="en-US"/>
           </a:p>
@@ -1405,7 +1413,7 @@
           <a:p>
             <a:fld id="{76969C88-B244-455D-A017-012B25B1ACDD}" type="datetimeFigureOut">
               <a:rPr lang="en-US" smtClean="0"/>
-              <a:t>10/16/2023</a:t>
+              <a:t>10/17/23</a:t>
             </a:fld>
             <a:endParaRPr lang="en-US"/>
           </a:p>
@@ -1817,7 +1825,7 @@
           <a:p>
             <a:fld id="{76969C88-B244-455D-A017-012B25B1ACDD}" type="datetimeFigureOut">
               <a:rPr lang="en-US" smtClean="0"/>
-              <a:t>10/16/2023</a:t>
+              <a:t>10/17/23</a:t>
             </a:fld>
             <a:endParaRPr lang="en-US"/>
           </a:p>
@@ -1958,7 +1966,7 @@
           <a:p>
             <a:fld id="{76969C88-B244-455D-A017-012B25B1ACDD}" type="datetimeFigureOut">
               <a:rPr lang="en-US" smtClean="0"/>
-              <a:t>10/16/2023</a:t>
+              <a:t>10/17/23</a:t>
             </a:fld>
             <a:endParaRPr lang="en-US"/>
           </a:p>
@@ -2071,7 +2079,7 @@
           <a:p>
             <a:fld id="{76969C88-B244-455D-A017-012B25B1ACDD}" type="datetimeFigureOut">
               <a:rPr lang="en-US" smtClean="0"/>
-              <a:t>10/16/2023</a:t>
+              <a:t>10/17/23</a:t>
             </a:fld>
             <a:endParaRPr lang="en-US"/>
           </a:p>
@@ -2383,7 +2391,7 @@
           <a:p>
             <a:fld id="{76969C88-B244-455D-A017-012B25B1ACDD}" type="datetimeFigureOut">
               <a:rPr lang="en-US" smtClean="0"/>
-              <a:t>10/16/2023</a:t>
+              <a:t>10/17/23</a:t>
             </a:fld>
             <a:endParaRPr lang="en-US"/>
           </a:p>
@@ -2674,7 +2682,7 @@
           <a:p>
             <a:fld id="{76969C88-B244-455D-A017-012B25B1ACDD}" type="datetimeFigureOut">
               <a:rPr lang="en-US" smtClean="0"/>
-              <a:t>10/16/2023</a:t>
+              <a:t>10/17/23</a:t>
             </a:fld>
             <a:endParaRPr lang="en-US"/>
           </a:p>
@@ -3426,7 +3434,7 @@
             <a:fld id="{76969C88-B244-455D-A017-012B25B1ACDD}" type="datetimeFigureOut">
               <a:rPr lang="en-US" smtClean="0"/>
               <a:pPr/>
-              <a:t>10/16/2023</a:t>
+              <a:t>10/17/23</a:t>
             </a:fld>
             <a:endParaRPr lang="en-US"/>
           </a:p>
@@ -4544,6 +4552,135 @@
 </p:sld>
 </file>
 
+<file path=ppt/slides/slide10.xml><?xml version="1.0" encoding="utf-8"?>
+<p:sld xmlns:a="http://schemas.openxmlformats.org/drawingml/2006/main" xmlns:r="http://schemas.openxmlformats.org/officeDocument/2006/relationships" xmlns:p="http://schemas.openxmlformats.org/presentationml/2006/main">
+  <p:cSld>
+    <p:spTree>
+      <p:nvGrpSpPr>
+        <p:cNvPr id="1" name=""/>
+        <p:cNvGrpSpPr/>
+        <p:nvPr/>
+      </p:nvGrpSpPr>
+      <p:grpSpPr>
+        <a:xfrm>
+          <a:off x="0" y="0"/>
+          <a:ext cx="0" cy="0"/>
+          <a:chOff x="0" y="0"/>
+          <a:chExt cx="0" cy="0"/>
+        </a:xfrm>
+      </p:grpSpPr>
+      <p:sp>
+        <p:nvSpPr>
+          <p:cNvPr id="2" name="제목 1">
+            <a:extLst>
+              <a:ext uri="{FF2B5EF4-FFF2-40B4-BE49-F238E27FC236}">
+                <a16:creationId xmlns:a16="http://schemas.microsoft.com/office/drawing/2014/main" id="{CC534D9E-814D-1C7C-53C3-E1A32FEAE718}"/>
+              </a:ext>
+            </a:extLst>
+          </p:cNvPr>
+          <p:cNvSpPr>
+            <a:spLocks noGrp="1"/>
+          </p:cNvSpPr>
+          <p:nvPr>
+            <p:ph type="title"/>
+          </p:nvPr>
+        </p:nvSpPr>
+        <p:spPr/>
+        <p:txBody>
+          <a:bodyPr/>
+          <a:lstStyle/>
+          <a:p>
+            <a:r>
+              <a:rPr kumimoji="1" lang="ko-KR" altLang="en-US" dirty="0"/>
+              <a:t>앞으로의 과제</a:t>
+            </a:r>
+            <a:endParaRPr kumimoji="1" lang="ko-Kore-KR" altLang="en-US" dirty="0"/>
+          </a:p>
+        </p:txBody>
+      </p:sp>
+      <p:sp>
+        <p:nvSpPr>
+          <p:cNvPr id="3" name="내용 개체 틀 2">
+            <a:extLst>
+              <a:ext uri="{FF2B5EF4-FFF2-40B4-BE49-F238E27FC236}">
+                <a16:creationId xmlns:a16="http://schemas.microsoft.com/office/drawing/2014/main" id="{3119F1DC-97A6-2CB5-C3A1-7EF809FAA1A2}"/>
+              </a:ext>
+            </a:extLst>
+          </p:cNvPr>
+          <p:cNvSpPr>
+            <a:spLocks noGrp="1"/>
+          </p:cNvSpPr>
+          <p:nvPr>
+            <p:ph idx="1"/>
+          </p:nvPr>
+        </p:nvSpPr>
+        <p:spPr/>
+        <p:txBody>
+          <a:bodyPr/>
+          <a:lstStyle/>
+          <a:p>
+            <a:r>
+              <a:rPr kumimoji="1" lang="ko-KR" altLang="en-US" dirty="0">
+                <a:solidFill>
+                  <a:schemeClr val="tx1"/>
+                </a:solidFill>
+              </a:rPr>
+              <a:t>대용량 데이터를 어떻게 효과적으로 분석하고 시각화 할 것 인가</a:t>
+            </a:r>
+            <a:r>
+              <a:rPr kumimoji="1" lang="en-US" altLang="ko-KR" dirty="0">
+                <a:solidFill>
+                  <a:schemeClr val="tx1"/>
+                </a:solidFill>
+              </a:rPr>
+              <a:t>?</a:t>
+            </a:r>
+            <a:br>
+              <a:rPr kumimoji="1" lang="en-US" altLang="ko-KR" dirty="0">
+                <a:solidFill>
+                  <a:schemeClr val="tx1"/>
+                </a:solidFill>
+              </a:rPr>
+            </a:br>
+            <a:endParaRPr kumimoji="1" lang="en-US" altLang="ko-KR" dirty="0">
+              <a:solidFill>
+                <a:schemeClr val="tx1"/>
+              </a:solidFill>
+            </a:endParaRPr>
+          </a:p>
+          <a:p>
+            <a:r>
+              <a:rPr kumimoji="1" lang="ko-KR" altLang="en-US" dirty="0">
+                <a:solidFill>
+                  <a:schemeClr val="tx1"/>
+                </a:solidFill>
+              </a:rPr>
+              <a:t>이전 연구들과 어떤 차이점을 보여줄 것인가</a:t>
+            </a:r>
+            <a:r>
+              <a:rPr kumimoji="1" lang="en-US" altLang="ko-KR" dirty="0">
+                <a:solidFill>
+                  <a:schemeClr val="tx1"/>
+                </a:solidFill>
+              </a:rPr>
+              <a:t>?</a:t>
+            </a:r>
+          </a:p>
+        </p:txBody>
+      </p:sp>
+    </p:spTree>
+    <p:extLst>
+      <p:ext uri="{BB962C8B-B14F-4D97-AF65-F5344CB8AC3E}">
+        <p14:creationId xmlns:p14="http://schemas.microsoft.com/office/powerpoint/2010/main" val="3927809550"/>
+      </p:ext>
+    </p:extLst>
+  </p:cSld>
+  <p:clrMapOvr>
+    <a:masterClrMapping/>
+  </p:clrMapOvr>
+</p:sld>
+</file>
+
 <file path=ppt/slides/slide2.xml><?xml version="1.0" encoding="utf-8"?>
 <p:sld xmlns:a="http://schemas.openxmlformats.org/drawingml/2006/main" xmlns:r="http://schemas.openxmlformats.org/officeDocument/2006/relationships" xmlns:p="http://schemas.openxmlformats.org/presentationml/2006/main">
   <p:cSld>
@@ -5390,6 +5527,244 @@
           <a:chExt cx="0" cy="0"/>
         </a:xfrm>
       </p:grpSpPr>
+      <p:sp>
+        <p:nvSpPr>
+          <p:cNvPr id="2" name="제목 1">
+            <a:extLst>
+              <a:ext uri="{FF2B5EF4-FFF2-40B4-BE49-F238E27FC236}">
+                <a16:creationId xmlns:a16="http://schemas.microsoft.com/office/drawing/2014/main" id="{AF6AA274-DF63-1FAA-582D-A1C582DABA31}"/>
+              </a:ext>
+            </a:extLst>
+          </p:cNvPr>
+          <p:cNvSpPr>
+            <a:spLocks noGrp="1"/>
+          </p:cNvSpPr>
+          <p:nvPr>
+            <p:ph type="title"/>
+          </p:nvPr>
+        </p:nvSpPr>
+        <p:spPr/>
+        <p:txBody>
+          <a:bodyPr/>
+          <a:lstStyle/>
+          <a:p>
+            <a:r>
+              <a:rPr lang="ko-KR" altLang="en-US" dirty="0"/>
+              <a:t>기존 대회와의 차이점</a:t>
+            </a:r>
+          </a:p>
+        </p:txBody>
+      </p:sp>
+      <p:sp>
+        <p:nvSpPr>
+          <p:cNvPr id="3" name="내용 개체 틀 2">
+            <a:extLst>
+              <a:ext uri="{FF2B5EF4-FFF2-40B4-BE49-F238E27FC236}">
+                <a16:creationId xmlns:a16="http://schemas.microsoft.com/office/drawing/2014/main" id="{5AB77340-983C-9586-CA47-589BAB743696}"/>
+              </a:ext>
+            </a:extLst>
+          </p:cNvPr>
+          <p:cNvSpPr>
+            <a:spLocks noGrp="1"/>
+          </p:cNvSpPr>
+          <p:nvPr>
+            <p:ph idx="1"/>
+          </p:nvPr>
+        </p:nvSpPr>
+        <p:spPr/>
+        <p:txBody>
+          <a:bodyPr/>
+          <a:lstStyle/>
+          <a:p>
+            <a:r>
+              <a:rPr lang="ko-KR" altLang="en-US" sz="2000" dirty="0">
+                <a:solidFill>
+                  <a:srgbClr val="FFFFFF"/>
+                </a:solidFill>
+              </a:rPr>
+              <a:t>최신 데이터 사용</a:t>
+            </a:r>
+            <a:br>
+              <a:rPr lang="en-US" altLang="ko-KR" sz="2000" dirty="0">
+                <a:solidFill>
+                  <a:srgbClr val="FFFFFF"/>
+                </a:solidFill>
+              </a:rPr>
+            </a:br>
+            <a:r>
+              <a:rPr lang="en-US" altLang="ko-KR" sz="2000" dirty="0">
+                <a:solidFill>
+                  <a:srgbClr val="FFFFFF"/>
+                </a:solidFill>
+              </a:rPr>
+              <a:t>-</a:t>
+            </a:r>
+            <a:r>
+              <a:rPr lang="ko-KR" altLang="en-US" sz="2000" dirty="0">
+                <a:solidFill>
+                  <a:srgbClr val="FFFFFF"/>
+                </a:solidFill>
+              </a:rPr>
+              <a:t> </a:t>
+            </a:r>
+            <a:r>
+              <a:rPr lang="ko-KR" altLang="en-US" sz="2000" dirty="0" err="1">
+                <a:solidFill>
+                  <a:srgbClr val="FFFFFF"/>
+                </a:solidFill>
+              </a:rPr>
+              <a:t>데이콘</a:t>
+            </a:r>
+            <a:r>
+              <a:rPr lang="ko-KR" altLang="en-US" sz="2000" dirty="0">
+                <a:solidFill>
+                  <a:srgbClr val="FFFFFF"/>
+                </a:solidFill>
+              </a:rPr>
+              <a:t> 대회에서는 </a:t>
+            </a:r>
+            <a:r>
+              <a:rPr lang="en-US" altLang="ko-KR" sz="2000" dirty="0">
+                <a:solidFill>
+                  <a:srgbClr val="FFFFFF"/>
+                </a:solidFill>
+              </a:rPr>
+              <a:t>11~19</a:t>
+            </a:r>
+            <a:r>
+              <a:rPr lang="ko-KR" altLang="en-US" sz="2000" dirty="0">
+                <a:solidFill>
+                  <a:srgbClr val="FFFFFF"/>
+                </a:solidFill>
+              </a:rPr>
+              <a:t>년도 데이터만 사용한 반면</a:t>
+            </a:r>
+            <a:r>
+              <a:rPr lang="en-US" altLang="ko-KR" sz="2000" dirty="0">
+                <a:solidFill>
+                  <a:srgbClr val="FFFFFF"/>
+                </a:solidFill>
+              </a:rPr>
+              <a:t>,</a:t>
+            </a:r>
+            <a:r>
+              <a:rPr lang="ko-KR" altLang="en-US" sz="2000" dirty="0">
+                <a:solidFill>
+                  <a:srgbClr val="FFFFFF"/>
+                </a:solidFill>
+              </a:rPr>
+              <a:t> 이번 프로젝트는 </a:t>
+            </a:r>
+            <a:r>
+              <a:rPr lang="en-US" altLang="ko-KR" sz="2000" dirty="0">
+                <a:solidFill>
+                  <a:srgbClr val="FFFFFF"/>
+                </a:solidFill>
+              </a:rPr>
+              <a:t>11~23</a:t>
+            </a:r>
+            <a:r>
+              <a:rPr lang="ko-KR" altLang="en-US" sz="2000" dirty="0">
+                <a:solidFill>
+                  <a:srgbClr val="FFFFFF"/>
+                </a:solidFill>
+              </a:rPr>
+              <a:t>년도 데이터를 모두 사용함</a:t>
+            </a:r>
+            <a:r>
+              <a:rPr lang="en-US" altLang="ko-KR" sz="2000" dirty="0">
+                <a:solidFill>
+                  <a:srgbClr val="FFFFFF"/>
+                </a:solidFill>
+              </a:rPr>
+              <a:t>.</a:t>
+            </a:r>
+            <a:br>
+              <a:rPr lang="en-US" altLang="ko-KR" sz="2000" dirty="0">
+                <a:solidFill>
+                  <a:srgbClr val="FFFFFF"/>
+                </a:solidFill>
+              </a:rPr>
+            </a:br>
+            <a:endParaRPr lang="en-US" altLang="ko-KR" sz="2000" dirty="0">
+              <a:solidFill>
+                <a:srgbClr val="FFFFFF"/>
+              </a:solidFill>
+            </a:endParaRPr>
+          </a:p>
+          <a:p>
+            <a:r>
+              <a:rPr lang="ko-KR" altLang="en-US" sz="2000" dirty="0">
+                <a:solidFill>
+                  <a:srgbClr val="FFFFFF"/>
+                </a:solidFill>
+              </a:rPr>
+              <a:t>더 많고 다양한 변수</a:t>
+            </a:r>
+            <a:br>
+              <a:rPr lang="en-US" altLang="ko-KR" sz="2000" dirty="0">
+                <a:solidFill>
+                  <a:srgbClr val="FFFFFF"/>
+                </a:solidFill>
+              </a:rPr>
+            </a:br>
+            <a:r>
+              <a:rPr lang="en-US" altLang="ko-KR" sz="2000" dirty="0">
+                <a:solidFill>
+                  <a:srgbClr val="FFFFFF"/>
+                </a:solidFill>
+              </a:rPr>
+              <a:t>-</a:t>
+            </a:r>
+            <a:r>
+              <a:rPr lang="ko-KR" altLang="en-US" sz="2000" dirty="0">
+                <a:solidFill>
+                  <a:srgbClr val="FFFFFF"/>
+                </a:solidFill>
+              </a:rPr>
+              <a:t> 데이터를 제공하는 라이브러리와 사이트에서 원본 데이터를 그대로 가져왔기 때문에 더 대용량 데이터를 다룸</a:t>
+            </a:r>
+            <a:r>
+              <a:rPr lang="en-US" altLang="ko-KR" sz="2000" dirty="0">
+                <a:solidFill>
+                  <a:srgbClr val="FFFFFF"/>
+                </a:solidFill>
+              </a:rPr>
+              <a:t>.</a:t>
+            </a:r>
+          </a:p>
+        </p:txBody>
+      </p:sp>
+    </p:spTree>
+    <p:extLst>
+      <p:ext uri="{BB962C8B-B14F-4D97-AF65-F5344CB8AC3E}">
+        <p14:creationId xmlns:p14="http://schemas.microsoft.com/office/powerpoint/2010/main" val="2811111642"/>
+      </p:ext>
+    </p:extLst>
+  </p:cSld>
+  <p:clrMapOvr>
+    <a:masterClrMapping/>
+  </p:clrMapOvr>
+</p:sld>
+</file>
+
+<file path=ppt/slides/slide6.xml><?xml version="1.0" encoding="utf-8"?>
+<p:sld xmlns:a="http://schemas.openxmlformats.org/drawingml/2006/main" xmlns:r="http://schemas.openxmlformats.org/officeDocument/2006/relationships" xmlns:p="http://schemas.openxmlformats.org/presentationml/2006/main">
+  <p:cSld>
+    <p:spTree>
+      <p:nvGrpSpPr>
+        <p:cNvPr id="1" name=""/>
+        <p:cNvGrpSpPr/>
+        <p:nvPr/>
+      </p:nvGrpSpPr>
+      <p:grpSpPr>
+        <a:xfrm>
+          <a:off x="0" y="0"/>
+          <a:ext cx="0" cy="0"/>
+          <a:chOff x="0" y="0"/>
+          <a:chExt cx="0" cy="0"/>
+        </a:xfrm>
+      </p:grpSpPr>
       <p:pic>
         <p:nvPicPr>
           <p:cNvPr id="5" name="그림 4">
@@ -5404,16 +5779,15 @@
           </p:cNvPicPr>
           <p:nvPr/>
         </p:nvPicPr>
-        <p:blipFill>
+        <p:blipFill rotWithShape="1">
           <a:blip r:embed="rId2"/>
-          <a:stretch>
-            <a:fillRect/>
-          </a:stretch>
+          <a:srcRect r="19735"/>
+          <a:stretch/>
         </p:blipFill>
         <p:spPr>
           <a:xfrm>
-            <a:off x="327804" y="241847"/>
-            <a:ext cx="9066362" cy="1519871"/>
+            <a:off x="353161" y="1154581"/>
+            <a:ext cx="7277100" cy="1519871"/>
           </a:xfrm>
           <a:prstGeom prst="rect">
             <a:avLst/>
@@ -5442,7 +5816,7 @@
         </p:blipFill>
         <p:spPr>
           <a:xfrm>
-            <a:off x="327804" y="1868786"/>
+            <a:off x="7797756" y="1156171"/>
             <a:ext cx="2181225" cy="981075"/>
           </a:xfrm>
           <a:prstGeom prst="rect">
@@ -5464,16 +5838,15 @@
           </p:cNvPicPr>
           <p:nvPr/>
         </p:nvPicPr>
-        <p:blipFill>
+        <p:blipFill rotWithShape="1">
           <a:blip r:embed="rId4"/>
-          <a:stretch>
-            <a:fillRect/>
-          </a:stretch>
+          <a:srcRect r="28462"/>
+          <a:stretch/>
         </p:blipFill>
         <p:spPr>
           <a:xfrm>
-            <a:off x="2729258" y="1909712"/>
-            <a:ext cx="10136997" cy="1266205"/>
+            <a:off x="353161" y="3158895"/>
+            <a:ext cx="7251744" cy="1266205"/>
           </a:xfrm>
           <a:prstGeom prst="rect">
             <a:avLst/>
@@ -5502,7 +5875,7 @@
         </p:blipFill>
         <p:spPr>
           <a:xfrm>
-            <a:off x="9139295" y="3241506"/>
+            <a:off x="7902531" y="3158895"/>
             <a:ext cx="2076450" cy="990600"/>
           </a:xfrm>
           <a:prstGeom prst="rect">
@@ -5532,7 +5905,7 @@
         </p:blipFill>
         <p:spPr>
           <a:xfrm>
-            <a:off x="327804" y="4320089"/>
+            <a:off x="327804" y="4766138"/>
             <a:ext cx="7277100" cy="1752600"/>
           </a:xfrm>
           <a:prstGeom prst="rect">
@@ -5562,7 +5935,7 @@
         </p:blipFill>
         <p:spPr>
           <a:xfrm>
-            <a:off x="7797756" y="4907627"/>
+            <a:off x="7863336" y="4766138"/>
             <a:ext cx="2486025" cy="1057275"/>
           </a:xfrm>
           <a:prstGeom prst="rect">
@@ -5583,7 +5956,7 @@
 </p:sld>
 </file>
 
-<file path=ppt/slides/slide6.xml><?xml version="1.0" encoding="utf-8"?>
+<file path=ppt/slides/slide7.xml><?xml version="1.0" encoding="utf-8"?>
 <p:sld xmlns:a="http://schemas.openxmlformats.org/drawingml/2006/main" xmlns:r="http://schemas.openxmlformats.org/officeDocument/2006/relationships" xmlns:p="http://schemas.openxmlformats.org/presentationml/2006/main">
   <p:cSld>
     <p:spTree>
@@ -6003,11 +6376,11 @@
             <a:pPr algn="ctr"/>
             <a:r>
               <a:rPr lang="en-US" altLang="ko-KR" dirty="0"/>
-              <a:t>Target </a:t>
+              <a:t>Label </a:t>
             </a:r>
             <a:r>
               <a:rPr lang="ko-KR" altLang="en-US" dirty="0"/>
-              <a:t>데이터</a:t>
+              <a:t>생성</a:t>
             </a:r>
           </a:p>
         </p:txBody>
@@ -6102,7 +6475,7 @@
 </p:sld>
 </file>
 
-<file path=ppt/slides/slide7.xml><?xml version="1.0" encoding="utf-8"?>
+<file path=ppt/slides/slide8.xml><?xml version="1.0" encoding="utf-8"?>
 <p:sld xmlns:a="http://schemas.openxmlformats.org/drawingml/2006/main" xmlns:r="http://schemas.openxmlformats.org/officeDocument/2006/relationships" xmlns:p="http://schemas.openxmlformats.org/presentationml/2006/main">
   <p:cSld>
     <p:spTree>
@@ -6141,35 +6514,1011 @@
           <a:lstStyle/>
           <a:p>
             <a:r>
-              <a:rPr lang="en-US" altLang="ko-KR" dirty="0"/>
-              <a:t>Risk point</a:t>
-            </a:r>
-            <a:endParaRPr lang="ko-KR" altLang="en-US" dirty="0"/>
-          </a:p>
-        </p:txBody>
-      </p:sp>
-      <p:sp>
-        <p:nvSpPr>
-          <p:cNvPr id="3" name="내용 개체 틀 2">
-            <a:extLst>
-              <a:ext uri="{FF2B5EF4-FFF2-40B4-BE49-F238E27FC236}">
-                <a16:creationId xmlns:a16="http://schemas.microsoft.com/office/drawing/2014/main" id="{CA5E0B17-79EB-5162-D4A1-A84259C676FE}"/>
-              </a:ext>
-            </a:extLst>
-          </p:cNvPr>
-          <p:cNvSpPr>
-            <a:spLocks noGrp="1"/>
-          </p:cNvSpPr>
+              <a:rPr lang="ko-KR" altLang="en-US" dirty="0"/>
+              <a:t>데이터 분석 과정</a:t>
+            </a:r>
+          </a:p>
+        </p:txBody>
+      </p:sp>
+      <p:graphicFrame>
+        <p:nvGraphicFramePr>
+          <p:cNvPr id="8" name="내용 개체 틀 7">
+            <a:extLst>
+              <a:ext uri="{FF2B5EF4-FFF2-40B4-BE49-F238E27FC236}">
+                <a16:creationId xmlns:a16="http://schemas.microsoft.com/office/drawing/2014/main" id="{86876F7B-13E8-6865-EC4C-406AF68F37AF}"/>
+              </a:ext>
+            </a:extLst>
+          </p:cNvPr>
+          <p:cNvGraphicFramePr>
+            <a:graphicFrameLocks noGrp="1"/>
+          </p:cNvGraphicFramePr>
           <p:nvPr>
             <p:ph idx="1"/>
-          </p:nvPr>
-        </p:nvSpPr>
-        <p:spPr/>
-        <p:txBody>
-          <a:bodyPr/>
+            <p:extLst>
+              <p:ext uri="{D42A27DB-BD31-4B8C-83A1-F6EECF244321}">
+                <p14:modId xmlns:p14="http://schemas.microsoft.com/office/powerpoint/2010/main" val="27160008"/>
+              </p:ext>
+            </p:extLst>
+          </p:nvPr>
+        </p:nvGraphicFramePr>
+        <p:xfrm>
+          <a:off x="605882" y="2375211"/>
+          <a:ext cx="10667997" cy="2773680"/>
+        </p:xfrm>
+        <a:graphic>
+          <a:graphicData uri="http://schemas.openxmlformats.org/drawingml/2006/table">
+            <a:tbl>
+              <a:tblPr firstRow="1" bandRow="1">
+                <a:tableStyleId>{5C22544A-7EE6-4342-B048-85BDC9FD1C3A}</a:tableStyleId>
+              </a:tblPr>
+              <a:tblGrid>
+                <a:gridCol w="1185333">
+                  <a:extLst>
+                    <a:ext uri="{9D8B030D-6E8A-4147-A177-3AD203B41FA5}">
+                      <a16:colId xmlns:a16="http://schemas.microsoft.com/office/drawing/2014/main" val="2646513008"/>
+                    </a:ext>
+                  </a:extLst>
+                </a:gridCol>
+                <a:gridCol w="1185333">
+                  <a:extLst>
+                    <a:ext uri="{9D8B030D-6E8A-4147-A177-3AD203B41FA5}">
+                      <a16:colId xmlns:a16="http://schemas.microsoft.com/office/drawing/2014/main" val="2068957087"/>
+                    </a:ext>
+                  </a:extLst>
+                </a:gridCol>
+                <a:gridCol w="1185333">
+                  <a:extLst>
+                    <a:ext uri="{9D8B030D-6E8A-4147-A177-3AD203B41FA5}">
+                      <a16:colId xmlns:a16="http://schemas.microsoft.com/office/drawing/2014/main" val="3424329753"/>
+                    </a:ext>
+                  </a:extLst>
+                </a:gridCol>
+                <a:gridCol w="1185333">
+                  <a:extLst>
+                    <a:ext uri="{9D8B030D-6E8A-4147-A177-3AD203B41FA5}">
+                      <a16:colId xmlns:a16="http://schemas.microsoft.com/office/drawing/2014/main" val="566901300"/>
+                    </a:ext>
+                  </a:extLst>
+                </a:gridCol>
+                <a:gridCol w="1185333">
+                  <a:extLst>
+                    <a:ext uri="{9D8B030D-6E8A-4147-A177-3AD203B41FA5}">
+                      <a16:colId xmlns:a16="http://schemas.microsoft.com/office/drawing/2014/main" val="4098185726"/>
+                    </a:ext>
+                  </a:extLst>
+                </a:gridCol>
+                <a:gridCol w="1185333">
+                  <a:extLst>
+                    <a:ext uri="{9D8B030D-6E8A-4147-A177-3AD203B41FA5}">
+                      <a16:colId xmlns:a16="http://schemas.microsoft.com/office/drawing/2014/main" val="3063958483"/>
+                    </a:ext>
+                  </a:extLst>
+                </a:gridCol>
+                <a:gridCol w="1185333">
+                  <a:extLst>
+                    <a:ext uri="{9D8B030D-6E8A-4147-A177-3AD203B41FA5}">
+                      <a16:colId xmlns:a16="http://schemas.microsoft.com/office/drawing/2014/main" val="1838562853"/>
+                    </a:ext>
+                  </a:extLst>
+                </a:gridCol>
+                <a:gridCol w="1185333">
+                  <a:extLst>
+                    <a:ext uri="{9D8B030D-6E8A-4147-A177-3AD203B41FA5}">
+                      <a16:colId xmlns:a16="http://schemas.microsoft.com/office/drawing/2014/main" val="1645320471"/>
+                    </a:ext>
+                  </a:extLst>
+                </a:gridCol>
+                <a:gridCol w="1185333">
+                  <a:extLst>
+                    <a:ext uri="{9D8B030D-6E8A-4147-A177-3AD203B41FA5}">
+                      <a16:colId xmlns:a16="http://schemas.microsoft.com/office/drawing/2014/main" val="3928120833"/>
+                    </a:ext>
+                  </a:extLst>
+                </a:gridCol>
+              </a:tblGrid>
+              <a:tr h="370840">
+                <a:tc>
+                  <a:txBody>
+                    <a:bodyPr/>
+                    <a:lstStyle/>
+                    <a:p>
+                      <a:pPr algn="ctr"/>
+                      <a:endParaRPr lang="ko-Kore-KR" altLang="en-US"/>
+                    </a:p>
+                  </a:txBody>
+                  <a:tcPr/>
+                </a:tc>
+                <a:tc>
+                  <a:txBody>
+                    <a:bodyPr/>
+                    <a:lstStyle/>
+                    <a:p>
+                      <a:pPr algn="ctr"/>
+                      <a:r>
+                        <a:rPr lang="ko-KR" altLang="en-US" sz="1800" dirty="0"/>
+                        <a:t>구속</a:t>
+                      </a:r>
+                      <a:endParaRPr lang="en-US" altLang="ko-Kore-KR" sz="1800" dirty="0"/>
+                    </a:p>
+                  </a:txBody>
+                  <a:tcPr/>
+                </a:tc>
+                <a:tc>
+                  <a:txBody>
+                    <a:bodyPr/>
+                    <a:lstStyle/>
+                    <a:p>
+                      <a:pPr algn="ctr"/>
+                      <a:r>
+                        <a:rPr lang="ko-Kore-KR" altLang="en-US" sz="1800" dirty="0"/>
+                        <a:t>회전수</a:t>
+                      </a:r>
+                    </a:p>
+                  </a:txBody>
+                  <a:tcPr/>
+                </a:tc>
+                <a:tc>
+                  <a:txBody>
+                    <a:bodyPr/>
+                    <a:lstStyle/>
+                    <a:p>
+                      <a:pPr algn="ctr"/>
+                      <a:r>
+                        <a:rPr lang="ko-Kore-KR" altLang="en-US" sz="1800" dirty="0"/>
+                        <a:t>승</a:t>
+                      </a:r>
+                    </a:p>
+                  </a:txBody>
+                  <a:tcPr/>
+                </a:tc>
+                <a:tc>
+                  <a:txBody>
+                    <a:bodyPr/>
+                    <a:lstStyle/>
+                    <a:p>
+                      <a:pPr algn="ctr"/>
+                      <a:r>
+                        <a:rPr lang="ko-Kore-KR" altLang="en-US" sz="1800" dirty="0"/>
+                        <a:t>패</a:t>
+                      </a:r>
+                    </a:p>
+                  </a:txBody>
+                  <a:tcPr/>
+                </a:tc>
+                <a:tc>
+                  <a:txBody>
+                    <a:bodyPr/>
+                    <a:lstStyle/>
+                    <a:p>
+                      <a:pPr algn="ctr"/>
+                      <a:r>
+                        <a:rPr lang="ko-Kore-KR" altLang="en-US" sz="1800" dirty="0"/>
+                        <a:t>피홈런</a:t>
+                      </a:r>
+                    </a:p>
+                  </a:txBody>
+                  <a:tcPr/>
+                </a:tc>
+                <a:tc>
+                  <a:txBody>
+                    <a:bodyPr/>
+                    <a:lstStyle/>
+                    <a:p>
+                      <a:pPr algn="ctr"/>
+                      <a:r>
+                        <a:rPr lang="en-US" altLang="ko-Kore-KR" dirty="0"/>
+                        <a:t>…</a:t>
+                      </a:r>
+                      <a:endParaRPr lang="ko-Kore-KR" altLang="en-US" dirty="0"/>
+                    </a:p>
+                  </a:txBody>
+                  <a:tcPr/>
+                </a:tc>
+                <a:tc>
+                  <a:txBody>
+                    <a:bodyPr/>
+                    <a:lstStyle/>
+                    <a:p>
+                      <a:pPr algn="ctr"/>
+                      <a:r>
+                        <a:rPr lang="en-US" altLang="ko-Kore-KR" dirty="0"/>
+                        <a:t>…</a:t>
+                      </a:r>
+                      <a:endParaRPr lang="ko-Kore-KR" altLang="en-US" dirty="0"/>
+                    </a:p>
+                  </a:txBody>
+                  <a:tcPr/>
+                </a:tc>
+                <a:tc>
+                  <a:txBody>
+                    <a:bodyPr/>
+                    <a:lstStyle/>
+                    <a:p>
+                      <a:pPr algn="ctr"/>
+                      <a:r>
+                        <a:rPr lang="en-US" altLang="ko-Kore-KR" sz="1500" dirty="0"/>
+                        <a:t>KBO</a:t>
+                      </a:r>
+                      <a:r>
+                        <a:rPr lang="ko-KR" altLang="en-US" sz="1500" dirty="0"/>
+                        <a:t>리그 성공여부</a:t>
+                      </a:r>
+                      <a:endParaRPr lang="ko-Kore-KR" altLang="en-US" sz="1500" dirty="0"/>
+                    </a:p>
+                  </a:txBody>
+                  <a:tcPr/>
+                </a:tc>
+                <a:extLst>
+                  <a:ext uri="{0D108BD9-81ED-4DB2-BD59-A6C34878D82A}">
+                    <a16:rowId xmlns:a16="http://schemas.microsoft.com/office/drawing/2014/main" val="2034000134"/>
+                  </a:ext>
+                </a:extLst>
+              </a:tr>
+              <a:tr h="370840">
+                <a:tc>
+                  <a:txBody>
+                    <a:bodyPr/>
+                    <a:lstStyle/>
+                    <a:p>
+                      <a:pPr algn="ctr"/>
+                      <a:r>
+                        <a:rPr lang="ko-Kore-KR" altLang="en-US" dirty="0"/>
+                        <a:t>선수</a:t>
+                      </a:r>
+                      <a:r>
+                        <a:rPr lang="ko-KR" altLang="en-US" dirty="0"/>
+                        <a:t> </a:t>
+                      </a:r>
+                      <a:r>
+                        <a:rPr lang="en-US" altLang="ko-Kore-KR" dirty="0"/>
+                        <a:t>1</a:t>
+                      </a:r>
+                      <a:endParaRPr lang="ko-Kore-KR" altLang="en-US" dirty="0"/>
+                    </a:p>
+                  </a:txBody>
+                  <a:tcPr/>
+                </a:tc>
+                <a:tc>
+                  <a:txBody>
+                    <a:bodyPr/>
+                    <a:lstStyle/>
+                    <a:p>
+                      <a:pPr algn="ctr"/>
+                      <a:endParaRPr lang="en-US" altLang="ko-Kore-KR" dirty="0"/>
+                    </a:p>
+                  </a:txBody>
+                  <a:tcPr/>
+                </a:tc>
+                <a:tc>
+                  <a:txBody>
+                    <a:bodyPr/>
+                    <a:lstStyle/>
+                    <a:p>
+                      <a:pPr algn="ctr"/>
+                      <a:endParaRPr lang="ko-Kore-KR" altLang="en-US"/>
+                    </a:p>
+                  </a:txBody>
+                  <a:tcPr/>
+                </a:tc>
+                <a:tc>
+                  <a:txBody>
+                    <a:bodyPr/>
+                    <a:lstStyle/>
+                    <a:p>
+                      <a:pPr algn="ctr"/>
+                      <a:endParaRPr lang="ko-Kore-KR" altLang="en-US"/>
+                    </a:p>
+                  </a:txBody>
+                  <a:tcPr/>
+                </a:tc>
+                <a:tc>
+                  <a:txBody>
+                    <a:bodyPr/>
+                    <a:lstStyle/>
+                    <a:p>
+                      <a:pPr algn="ctr"/>
+                      <a:endParaRPr lang="ko-Kore-KR" altLang="en-US"/>
+                    </a:p>
+                  </a:txBody>
+                  <a:tcPr/>
+                </a:tc>
+                <a:tc>
+                  <a:txBody>
+                    <a:bodyPr/>
+                    <a:lstStyle/>
+                    <a:p>
+                      <a:pPr algn="ctr"/>
+                      <a:endParaRPr lang="ko-Kore-KR" altLang="en-US"/>
+                    </a:p>
+                  </a:txBody>
+                  <a:tcPr/>
+                </a:tc>
+                <a:tc>
+                  <a:txBody>
+                    <a:bodyPr/>
+                    <a:lstStyle/>
+                    <a:p>
+                      <a:pPr algn="ctr"/>
+                      <a:endParaRPr lang="ko-Kore-KR" altLang="en-US"/>
+                    </a:p>
+                  </a:txBody>
+                  <a:tcPr/>
+                </a:tc>
+                <a:tc>
+                  <a:txBody>
+                    <a:bodyPr/>
+                    <a:lstStyle/>
+                    <a:p>
+                      <a:pPr algn="ctr"/>
+                      <a:endParaRPr lang="ko-Kore-KR" altLang="en-US"/>
+                    </a:p>
+                  </a:txBody>
+                  <a:tcPr/>
+                </a:tc>
+                <a:tc>
+                  <a:txBody>
+                    <a:bodyPr/>
+                    <a:lstStyle/>
+                    <a:p>
+                      <a:pPr algn="ctr"/>
+                      <a:r>
+                        <a:rPr lang="en-US" altLang="ko-Kore-KR" dirty="0"/>
+                        <a:t>0</a:t>
+                      </a:r>
+                      <a:endParaRPr lang="ko-Kore-KR" altLang="en-US" dirty="0"/>
+                    </a:p>
+                  </a:txBody>
+                  <a:tcPr/>
+                </a:tc>
+                <a:extLst>
+                  <a:ext uri="{0D108BD9-81ED-4DB2-BD59-A6C34878D82A}">
+                    <a16:rowId xmlns:a16="http://schemas.microsoft.com/office/drawing/2014/main" val="3109669659"/>
+                  </a:ext>
+                </a:extLst>
+              </a:tr>
+              <a:tr h="370840">
+                <a:tc>
+                  <a:txBody>
+                    <a:bodyPr/>
+                    <a:lstStyle/>
+                    <a:p>
+                      <a:pPr algn="ctr"/>
+                      <a:r>
+                        <a:rPr lang="ko-Kore-KR" altLang="en-US" dirty="0"/>
+                        <a:t>선수</a:t>
+                      </a:r>
+                      <a:r>
+                        <a:rPr lang="ko-KR" altLang="en-US" dirty="0"/>
+                        <a:t> </a:t>
+                      </a:r>
+                      <a:r>
+                        <a:rPr lang="en-US" altLang="ko-KR" dirty="0"/>
+                        <a:t>2</a:t>
+                      </a:r>
+                      <a:endParaRPr lang="ko-Kore-KR" altLang="en-US" dirty="0"/>
+                    </a:p>
+                  </a:txBody>
+                  <a:tcPr/>
+                </a:tc>
+                <a:tc>
+                  <a:txBody>
+                    <a:bodyPr/>
+                    <a:lstStyle/>
+                    <a:p>
+                      <a:pPr algn="ctr"/>
+                      <a:endParaRPr lang="ko-Kore-KR" altLang="en-US" dirty="0"/>
+                    </a:p>
+                  </a:txBody>
+                  <a:tcPr/>
+                </a:tc>
+                <a:tc>
+                  <a:txBody>
+                    <a:bodyPr/>
+                    <a:lstStyle/>
+                    <a:p>
+                      <a:pPr algn="ctr"/>
+                      <a:endParaRPr lang="ko-Kore-KR" altLang="en-US"/>
+                    </a:p>
+                  </a:txBody>
+                  <a:tcPr/>
+                </a:tc>
+                <a:tc>
+                  <a:txBody>
+                    <a:bodyPr/>
+                    <a:lstStyle/>
+                    <a:p>
+                      <a:pPr algn="ctr"/>
+                      <a:endParaRPr lang="ko-Kore-KR" altLang="en-US"/>
+                    </a:p>
+                  </a:txBody>
+                  <a:tcPr/>
+                </a:tc>
+                <a:tc>
+                  <a:txBody>
+                    <a:bodyPr/>
+                    <a:lstStyle/>
+                    <a:p>
+                      <a:pPr algn="ctr"/>
+                      <a:endParaRPr lang="ko-Kore-KR" altLang="en-US"/>
+                    </a:p>
+                  </a:txBody>
+                  <a:tcPr/>
+                </a:tc>
+                <a:tc>
+                  <a:txBody>
+                    <a:bodyPr/>
+                    <a:lstStyle/>
+                    <a:p>
+                      <a:pPr algn="ctr"/>
+                      <a:endParaRPr lang="ko-Kore-KR" altLang="en-US" dirty="0"/>
+                    </a:p>
+                  </a:txBody>
+                  <a:tcPr/>
+                </a:tc>
+                <a:tc>
+                  <a:txBody>
+                    <a:bodyPr/>
+                    <a:lstStyle/>
+                    <a:p>
+                      <a:pPr algn="ctr"/>
+                      <a:endParaRPr lang="ko-Kore-KR" altLang="en-US"/>
+                    </a:p>
+                  </a:txBody>
+                  <a:tcPr/>
+                </a:tc>
+                <a:tc>
+                  <a:txBody>
+                    <a:bodyPr/>
+                    <a:lstStyle/>
+                    <a:p>
+                      <a:pPr algn="ctr"/>
+                      <a:endParaRPr lang="ko-Kore-KR" altLang="en-US"/>
+                    </a:p>
+                  </a:txBody>
+                  <a:tcPr/>
+                </a:tc>
+                <a:tc>
+                  <a:txBody>
+                    <a:bodyPr/>
+                    <a:lstStyle/>
+                    <a:p>
+                      <a:pPr algn="ctr"/>
+                      <a:r>
+                        <a:rPr lang="en-US" altLang="ko-Kore-KR" dirty="0"/>
+                        <a:t>1</a:t>
+                      </a:r>
+                      <a:endParaRPr lang="ko-Kore-KR" altLang="en-US" dirty="0"/>
+                    </a:p>
+                  </a:txBody>
+                  <a:tcPr/>
+                </a:tc>
+                <a:extLst>
+                  <a:ext uri="{0D108BD9-81ED-4DB2-BD59-A6C34878D82A}">
+                    <a16:rowId xmlns:a16="http://schemas.microsoft.com/office/drawing/2014/main" val="701864161"/>
+                  </a:ext>
+                </a:extLst>
+              </a:tr>
+              <a:tr h="370840">
+                <a:tc>
+                  <a:txBody>
+                    <a:bodyPr/>
+                    <a:lstStyle/>
+                    <a:p>
+                      <a:pPr algn="ctr"/>
+                      <a:r>
+                        <a:rPr lang="ko-Kore-KR" altLang="en-US" dirty="0"/>
+                        <a:t>선수</a:t>
+                      </a:r>
+                      <a:r>
+                        <a:rPr lang="ko-KR" altLang="en-US" dirty="0"/>
+                        <a:t> </a:t>
+                      </a:r>
+                      <a:r>
+                        <a:rPr lang="en-US" altLang="ko-KR" dirty="0"/>
+                        <a:t>3</a:t>
+                      </a:r>
+                      <a:endParaRPr lang="ko-Kore-KR" altLang="en-US" dirty="0"/>
+                    </a:p>
+                  </a:txBody>
+                  <a:tcPr/>
+                </a:tc>
+                <a:tc>
+                  <a:txBody>
+                    <a:bodyPr/>
+                    <a:lstStyle/>
+                    <a:p>
+                      <a:pPr algn="ctr"/>
+                      <a:endParaRPr lang="ko-Kore-KR" altLang="en-US" dirty="0"/>
+                    </a:p>
+                  </a:txBody>
+                  <a:tcPr/>
+                </a:tc>
+                <a:tc>
+                  <a:txBody>
+                    <a:bodyPr/>
+                    <a:lstStyle/>
+                    <a:p>
+                      <a:pPr algn="ctr"/>
+                      <a:endParaRPr lang="ko-Kore-KR" altLang="en-US"/>
+                    </a:p>
+                  </a:txBody>
+                  <a:tcPr/>
+                </a:tc>
+                <a:tc>
+                  <a:txBody>
+                    <a:bodyPr/>
+                    <a:lstStyle/>
+                    <a:p>
+                      <a:pPr algn="ctr"/>
+                      <a:endParaRPr lang="ko-Kore-KR" altLang="en-US"/>
+                    </a:p>
+                  </a:txBody>
+                  <a:tcPr/>
+                </a:tc>
+                <a:tc>
+                  <a:txBody>
+                    <a:bodyPr/>
+                    <a:lstStyle/>
+                    <a:p>
+                      <a:pPr algn="ctr"/>
+                      <a:endParaRPr lang="ko-Kore-KR" altLang="en-US"/>
+                    </a:p>
+                  </a:txBody>
+                  <a:tcPr/>
+                </a:tc>
+                <a:tc>
+                  <a:txBody>
+                    <a:bodyPr/>
+                    <a:lstStyle/>
+                    <a:p>
+                      <a:pPr algn="ctr"/>
+                      <a:endParaRPr lang="ko-Kore-KR" altLang="en-US"/>
+                    </a:p>
+                  </a:txBody>
+                  <a:tcPr/>
+                </a:tc>
+                <a:tc>
+                  <a:txBody>
+                    <a:bodyPr/>
+                    <a:lstStyle/>
+                    <a:p>
+                      <a:pPr algn="ctr"/>
+                      <a:endParaRPr lang="ko-Kore-KR" altLang="en-US"/>
+                    </a:p>
+                  </a:txBody>
+                  <a:tcPr/>
+                </a:tc>
+                <a:tc>
+                  <a:txBody>
+                    <a:bodyPr/>
+                    <a:lstStyle/>
+                    <a:p>
+                      <a:pPr algn="ctr"/>
+                      <a:endParaRPr lang="ko-Kore-KR" altLang="en-US"/>
+                    </a:p>
+                  </a:txBody>
+                  <a:tcPr/>
+                </a:tc>
+                <a:tc>
+                  <a:txBody>
+                    <a:bodyPr/>
+                    <a:lstStyle/>
+                    <a:p>
+                      <a:pPr algn="ctr"/>
+                      <a:r>
+                        <a:rPr lang="en-US" altLang="ko-Kore-KR" dirty="0"/>
+                        <a:t>0</a:t>
+                      </a:r>
+                      <a:endParaRPr lang="ko-Kore-KR" altLang="en-US" dirty="0"/>
+                    </a:p>
+                  </a:txBody>
+                  <a:tcPr/>
+                </a:tc>
+                <a:extLst>
+                  <a:ext uri="{0D108BD9-81ED-4DB2-BD59-A6C34878D82A}">
+                    <a16:rowId xmlns:a16="http://schemas.microsoft.com/office/drawing/2014/main" val="1078069831"/>
+                  </a:ext>
+                </a:extLst>
+              </a:tr>
+              <a:tr h="370840">
+                <a:tc>
+                  <a:txBody>
+                    <a:bodyPr/>
+                    <a:lstStyle/>
+                    <a:p>
+                      <a:pPr algn="ctr"/>
+                      <a:r>
+                        <a:rPr lang="ko-Kore-KR" altLang="en-US" dirty="0"/>
+                        <a:t>선수</a:t>
+                      </a:r>
+                      <a:r>
+                        <a:rPr lang="ko-KR" altLang="en-US" dirty="0"/>
+                        <a:t> </a:t>
+                      </a:r>
+                      <a:r>
+                        <a:rPr lang="en-US" altLang="ko-KR" dirty="0"/>
+                        <a:t>4</a:t>
+                      </a:r>
+                      <a:endParaRPr lang="ko-Kore-KR" altLang="en-US" dirty="0"/>
+                    </a:p>
+                  </a:txBody>
+                  <a:tcPr/>
+                </a:tc>
+                <a:tc>
+                  <a:txBody>
+                    <a:bodyPr/>
+                    <a:lstStyle/>
+                    <a:p>
+                      <a:pPr algn="ctr"/>
+                      <a:endParaRPr lang="ko-Kore-KR" altLang="en-US"/>
+                    </a:p>
+                  </a:txBody>
+                  <a:tcPr/>
+                </a:tc>
+                <a:tc>
+                  <a:txBody>
+                    <a:bodyPr/>
+                    <a:lstStyle/>
+                    <a:p>
+                      <a:pPr algn="ctr"/>
+                      <a:endParaRPr lang="ko-Kore-KR" altLang="en-US"/>
+                    </a:p>
+                  </a:txBody>
+                  <a:tcPr/>
+                </a:tc>
+                <a:tc>
+                  <a:txBody>
+                    <a:bodyPr/>
+                    <a:lstStyle/>
+                    <a:p>
+                      <a:pPr algn="ctr"/>
+                      <a:endParaRPr lang="ko-Kore-KR" altLang="en-US"/>
+                    </a:p>
+                  </a:txBody>
+                  <a:tcPr/>
+                </a:tc>
+                <a:tc>
+                  <a:txBody>
+                    <a:bodyPr/>
+                    <a:lstStyle/>
+                    <a:p>
+                      <a:pPr algn="ctr"/>
+                      <a:endParaRPr lang="ko-Kore-KR" altLang="en-US"/>
+                    </a:p>
+                  </a:txBody>
+                  <a:tcPr/>
+                </a:tc>
+                <a:tc>
+                  <a:txBody>
+                    <a:bodyPr/>
+                    <a:lstStyle/>
+                    <a:p>
+                      <a:pPr algn="ctr"/>
+                      <a:endParaRPr lang="ko-Kore-KR" altLang="en-US"/>
+                    </a:p>
+                  </a:txBody>
+                  <a:tcPr/>
+                </a:tc>
+                <a:tc>
+                  <a:txBody>
+                    <a:bodyPr/>
+                    <a:lstStyle/>
+                    <a:p>
+                      <a:pPr algn="ctr"/>
+                      <a:endParaRPr lang="ko-Kore-KR" altLang="en-US"/>
+                    </a:p>
+                  </a:txBody>
+                  <a:tcPr/>
+                </a:tc>
+                <a:tc>
+                  <a:txBody>
+                    <a:bodyPr/>
+                    <a:lstStyle/>
+                    <a:p>
+                      <a:pPr algn="ctr"/>
+                      <a:endParaRPr lang="ko-Kore-KR" altLang="en-US"/>
+                    </a:p>
+                  </a:txBody>
+                  <a:tcPr/>
+                </a:tc>
+                <a:tc>
+                  <a:txBody>
+                    <a:bodyPr/>
+                    <a:lstStyle/>
+                    <a:p>
+                      <a:pPr algn="ctr"/>
+                      <a:r>
+                        <a:rPr lang="en-US" altLang="ko-Kore-KR" dirty="0"/>
+                        <a:t>0</a:t>
+                      </a:r>
+                      <a:endParaRPr lang="ko-Kore-KR" altLang="en-US" dirty="0"/>
+                    </a:p>
+                  </a:txBody>
+                  <a:tcPr/>
+                </a:tc>
+                <a:extLst>
+                  <a:ext uri="{0D108BD9-81ED-4DB2-BD59-A6C34878D82A}">
+                    <a16:rowId xmlns:a16="http://schemas.microsoft.com/office/drawing/2014/main" val="2708395098"/>
+                  </a:ext>
+                </a:extLst>
+              </a:tr>
+              <a:tr h="370840">
+                <a:tc>
+                  <a:txBody>
+                    <a:bodyPr/>
+                    <a:lstStyle/>
+                    <a:p>
+                      <a:pPr algn="ctr"/>
+                      <a:r>
+                        <a:rPr lang="en-US" altLang="ko-KR" dirty="0"/>
+                        <a:t>…</a:t>
+                      </a:r>
+                      <a:endParaRPr lang="ko-Kore-KR" altLang="en-US" dirty="0"/>
+                    </a:p>
+                  </a:txBody>
+                  <a:tcPr/>
+                </a:tc>
+                <a:tc>
+                  <a:txBody>
+                    <a:bodyPr/>
+                    <a:lstStyle/>
+                    <a:p>
+                      <a:pPr algn="ctr"/>
+                      <a:endParaRPr lang="ko-Kore-KR" altLang="en-US"/>
+                    </a:p>
+                  </a:txBody>
+                  <a:tcPr/>
+                </a:tc>
+                <a:tc>
+                  <a:txBody>
+                    <a:bodyPr/>
+                    <a:lstStyle/>
+                    <a:p>
+                      <a:pPr algn="ctr"/>
+                      <a:endParaRPr lang="ko-Kore-KR" altLang="en-US"/>
+                    </a:p>
+                  </a:txBody>
+                  <a:tcPr/>
+                </a:tc>
+                <a:tc>
+                  <a:txBody>
+                    <a:bodyPr/>
+                    <a:lstStyle/>
+                    <a:p>
+                      <a:pPr algn="ctr"/>
+                      <a:endParaRPr lang="ko-Kore-KR" altLang="en-US"/>
+                    </a:p>
+                  </a:txBody>
+                  <a:tcPr/>
+                </a:tc>
+                <a:tc>
+                  <a:txBody>
+                    <a:bodyPr/>
+                    <a:lstStyle/>
+                    <a:p>
+                      <a:pPr algn="ctr"/>
+                      <a:endParaRPr lang="ko-Kore-KR" altLang="en-US"/>
+                    </a:p>
+                  </a:txBody>
+                  <a:tcPr/>
+                </a:tc>
+                <a:tc>
+                  <a:txBody>
+                    <a:bodyPr/>
+                    <a:lstStyle/>
+                    <a:p>
+                      <a:pPr algn="ctr"/>
+                      <a:endParaRPr lang="ko-Kore-KR" altLang="en-US"/>
+                    </a:p>
+                  </a:txBody>
+                  <a:tcPr/>
+                </a:tc>
+                <a:tc>
+                  <a:txBody>
+                    <a:bodyPr/>
+                    <a:lstStyle/>
+                    <a:p>
+                      <a:pPr algn="ctr"/>
+                      <a:endParaRPr lang="ko-Kore-KR" altLang="en-US"/>
+                    </a:p>
+                  </a:txBody>
+                  <a:tcPr/>
+                </a:tc>
+                <a:tc>
+                  <a:txBody>
+                    <a:bodyPr/>
+                    <a:lstStyle/>
+                    <a:p>
+                      <a:pPr algn="ctr"/>
+                      <a:endParaRPr lang="ko-Kore-KR" altLang="en-US"/>
+                    </a:p>
+                  </a:txBody>
+                  <a:tcPr/>
+                </a:tc>
+                <a:tc>
+                  <a:txBody>
+                    <a:bodyPr/>
+                    <a:lstStyle/>
+                    <a:p>
+                      <a:pPr algn="ctr"/>
+                      <a:r>
+                        <a:rPr lang="en-US" altLang="ko-Kore-KR" dirty="0"/>
+                        <a:t>1</a:t>
+                      </a:r>
+                      <a:endParaRPr lang="ko-Kore-KR" altLang="en-US" dirty="0"/>
+                    </a:p>
+                  </a:txBody>
+                  <a:tcPr/>
+                </a:tc>
+                <a:extLst>
+                  <a:ext uri="{0D108BD9-81ED-4DB2-BD59-A6C34878D82A}">
+                    <a16:rowId xmlns:a16="http://schemas.microsoft.com/office/drawing/2014/main" val="725944248"/>
+                  </a:ext>
+                </a:extLst>
+              </a:tr>
+              <a:tr h="370840">
+                <a:tc>
+                  <a:txBody>
+                    <a:bodyPr/>
+                    <a:lstStyle/>
+                    <a:p>
+                      <a:pPr algn="ctr"/>
+                      <a:r>
+                        <a:rPr lang="en-US" altLang="ko-Kore-KR" dirty="0"/>
+                        <a:t>…</a:t>
+                      </a:r>
+                      <a:endParaRPr lang="ko-Kore-KR" altLang="en-US" dirty="0"/>
+                    </a:p>
+                  </a:txBody>
+                  <a:tcPr/>
+                </a:tc>
+                <a:tc>
+                  <a:txBody>
+                    <a:bodyPr/>
+                    <a:lstStyle/>
+                    <a:p>
+                      <a:pPr algn="ctr"/>
+                      <a:endParaRPr lang="ko-Kore-KR" altLang="en-US"/>
+                    </a:p>
+                  </a:txBody>
+                  <a:tcPr/>
+                </a:tc>
+                <a:tc>
+                  <a:txBody>
+                    <a:bodyPr/>
+                    <a:lstStyle/>
+                    <a:p>
+                      <a:pPr algn="ctr"/>
+                      <a:endParaRPr lang="ko-Kore-KR" altLang="en-US"/>
+                    </a:p>
+                  </a:txBody>
+                  <a:tcPr/>
+                </a:tc>
+                <a:tc>
+                  <a:txBody>
+                    <a:bodyPr/>
+                    <a:lstStyle/>
+                    <a:p>
+                      <a:pPr algn="ctr"/>
+                      <a:endParaRPr lang="ko-Kore-KR" altLang="en-US"/>
+                    </a:p>
+                  </a:txBody>
+                  <a:tcPr/>
+                </a:tc>
+                <a:tc>
+                  <a:txBody>
+                    <a:bodyPr/>
+                    <a:lstStyle/>
+                    <a:p>
+                      <a:pPr algn="ctr"/>
+                      <a:endParaRPr lang="ko-Kore-KR" altLang="en-US"/>
+                    </a:p>
+                  </a:txBody>
+                  <a:tcPr/>
+                </a:tc>
+                <a:tc>
+                  <a:txBody>
+                    <a:bodyPr/>
+                    <a:lstStyle/>
+                    <a:p>
+                      <a:pPr algn="ctr"/>
+                      <a:endParaRPr lang="ko-Kore-KR" altLang="en-US"/>
+                    </a:p>
+                  </a:txBody>
+                  <a:tcPr/>
+                </a:tc>
+                <a:tc>
+                  <a:txBody>
+                    <a:bodyPr/>
+                    <a:lstStyle/>
+                    <a:p>
+                      <a:pPr algn="ctr"/>
+                      <a:endParaRPr lang="ko-Kore-KR" altLang="en-US"/>
+                    </a:p>
+                  </a:txBody>
+                  <a:tcPr/>
+                </a:tc>
+                <a:tc>
+                  <a:txBody>
+                    <a:bodyPr/>
+                    <a:lstStyle/>
+                    <a:p>
+                      <a:pPr algn="ctr"/>
+                      <a:endParaRPr lang="ko-Kore-KR" altLang="en-US" dirty="0"/>
+                    </a:p>
+                  </a:txBody>
+                  <a:tcPr/>
+                </a:tc>
+                <a:tc>
+                  <a:txBody>
+                    <a:bodyPr/>
+                    <a:lstStyle/>
+                    <a:p>
+                      <a:pPr algn="ctr"/>
+                      <a:r>
+                        <a:rPr lang="en-US" altLang="ko-Kore-KR" dirty="0"/>
+                        <a:t>…</a:t>
+                      </a:r>
+                      <a:endParaRPr lang="ko-Kore-KR" altLang="en-US" dirty="0"/>
+                    </a:p>
+                  </a:txBody>
+                  <a:tcPr/>
+                </a:tc>
+                <a:extLst>
+                  <a:ext uri="{0D108BD9-81ED-4DB2-BD59-A6C34878D82A}">
+                    <a16:rowId xmlns:a16="http://schemas.microsoft.com/office/drawing/2014/main" val="1469929521"/>
+                  </a:ext>
+                </a:extLst>
+              </a:tr>
+            </a:tbl>
+          </a:graphicData>
+        </a:graphic>
+      </p:graphicFrame>
+      <p:sp>
+        <p:nvSpPr>
+          <p:cNvPr id="9" name="TextBox 8">
+            <a:extLst>
+              <a:ext uri="{FF2B5EF4-FFF2-40B4-BE49-F238E27FC236}">
+                <a16:creationId xmlns:a16="http://schemas.microsoft.com/office/drawing/2014/main" id="{7F229A9D-03C2-D4BC-6315-E0EF4B74FBFA}"/>
+              </a:ext>
+            </a:extLst>
+          </p:cNvPr>
+          <p:cNvSpPr txBox="1"/>
+          <p:nvPr/>
+        </p:nvSpPr>
+        <p:spPr>
+          <a:xfrm>
+            <a:off x="605882" y="5430644"/>
+            <a:ext cx="7426712" cy="369332"/>
+          </a:xfrm>
+          <a:prstGeom prst="rect">
+            <a:avLst/>
+          </a:prstGeom>
+          <a:noFill/>
+        </p:spPr>
+        <p:txBody>
+          <a:bodyPr wrap="square" rtlCol="0">
+            <a:spAutoFit/>
+          </a:bodyPr>
           <a:lstStyle/>
           <a:p>
-            <a:endParaRPr lang="ko-KR" altLang="en-US" dirty="0"/>
+            <a:r>
+              <a:rPr kumimoji="1" lang="ko-Kore-KR" altLang="en-US" dirty="0"/>
+              <a:t>분류모델</a:t>
+            </a:r>
+            <a:r>
+              <a:rPr kumimoji="1" lang="ko-KR" altLang="en-US" dirty="0"/>
+              <a:t> 학습을 위한 </a:t>
+            </a:r>
+            <a:r>
+              <a:rPr kumimoji="1" lang="ko-KR" altLang="en-US" dirty="0" err="1"/>
+              <a:t>전처리</a:t>
+            </a:r>
+            <a:r>
+              <a:rPr kumimoji="1" lang="ko-KR" altLang="en-US" dirty="0"/>
+              <a:t> 된 데이터 예시</a:t>
+            </a:r>
+            <a:endParaRPr kumimoji="1" lang="ko-Kore-KR" altLang="en-US" dirty="0"/>
           </a:p>
         </p:txBody>
       </p:sp>
@@ -6177,6 +7526,241 @@
     <p:extLst>
       <p:ext uri="{BB962C8B-B14F-4D97-AF65-F5344CB8AC3E}">
         <p14:creationId xmlns:p14="http://schemas.microsoft.com/office/powerpoint/2010/main" val="3648939452"/>
+      </p:ext>
+    </p:extLst>
+  </p:cSld>
+  <p:clrMapOvr>
+    <a:masterClrMapping/>
+  </p:clrMapOvr>
+</p:sld>
+</file>
+
+<file path=ppt/slides/slide9.xml><?xml version="1.0" encoding="utf-8"?>
+<p:sld xmlns:a="http://schemas.openxmlformats.org/drawingml/2006/main" xmlns:r="http://schemas.openxmlformats.org/officeDocument/2006/relationships" xmlns:p="http://schemas.openxmlformats.org/presentationml/2006/main">
+  <p:cSld>
+    <p:spTree>
+      <p:nvGrpSpPr>
+        <p:cNvPr id="1" name=""/>
+        <p:cNvGrpSpPr/>
+        <p:nvPr/>
+      </p:nvGrpSpPr>
+      <p:grpSpPr>
+        <a:xfrm>
+          <a:off x="0" y="0"/>
+          <a:ext cx="0" cy="0"/>
+          <a:chOff x="0" y="0"/>
+          <a:chExt cx="0" cy="0"/>
+        </a:xfrm>
+      </p:grpSpPr>
+      <p:sp>
+        <p:nvSpPr>
+          <p:cNvPr id="2" name="제목 1">
+            <a:extLst>
+              <a:ext uri="{FF2B5EF4-FFF2-40B4-BE49-F238E27FC236}">
+                <a16:creationId xmlns:a16="http://schemas.microsoft.com/office/drawing/2014/main" id="{CC534D9E-814D-1C7C-53C3-E1A32FEAE718}"/>
+              </a:ext>
+            </a:extLst>
+          </p:cNvPr>
+          <p:cNvSpPr>
+            <a:spLocks noGrp="1"/>
+          </p:cNvSpPr>
+          <p:nvPr>
+            <p:ph type="title"/>
+          </p:nvPr>
+        </p:nvSpPr>
+        <p:spPr/>
+        <p:txBody>
+          <a:bodyPr/>
+          <a:lstStyle/>
+          <a:p>
+            <a:r>
+              <a:rPr kumimoji="1" lang="ko-Kore-KR" altLang="en-US" dirty="0"/>
+              <a:t>관련</a:t>
+            </a:r>
+            <a:r>
+              <a:rPr kumimoji="1" lang="ko-KR" altLang="en-US" dirty="0"/>
+              <a:t> 논문</a:t>
+            </a:r>
+            <a:endParaRPr kumimoji="1" lang="ko-Kore-KR" altLang="en-US" dirty="0"/>
+          </a:p>
+        </p:txBody>
+      </p:sp>
+      <p:sp>
+        <p:nvSpPr>
+          <p:cNvPr id="3" name="내용 개체 틀 2">
+            <a:extLst>
+              <a:ext uri="{FF2B5EF4-FFF2-40B4-BE49-F238E27FC236}">
+                <a16:creationId xmlns:a16="http://schemas.microsoft.com/office/drawing/2014/main" id="{3119F1DC-97A6-2CB5-C3A1-7EF809FAA1A2}"/>
+              </a:ext>
+            </a:extLst>
+          </p:cNvPr>
+          <p:cNvSpPr>
+            <a:spLocks noGrp="1"/>
+          </p:cNvSpPr>
+          <p:nvPr>
+            <p:ph idx="1"/>
+          </p:nvPr>
+        </p:nvSpPr>
+        <p:spPr/>
+        <p:txBody>
+          <a:bodyPr/>
+          <a:lstStyle/>
+          <a:p>
+            <a:r>
+              <a:rPr kumimoji="1" lang="ko-KR" altLang="en-US" dirty="0">
+                <a:solidFill>
+                  <a:schemeClr val="tx1"/>
+                </a:solidFill>
+              </a:rPr>
+              <a:t>인공지능 모델에 따른 한국 프로야구의 승패 예측 분석에 관한 연구 </a:t>
+            </a:r>
+            <a:br>
+              <a:rPr kumimoji="1" lang="en-US" altLang="ko-KR" dirty="0">
+                <a:solidFill>
+                  <a:schemeClr val="tx1"/>
+                </a:solidFill>
+              </a:rPr>
+            </a:br>
+            <a:endParaRPr kumimoji="1" lang="en-US" altLang="ko-KR" dirty="0">
+              <a:solidFill>
+                <a:schemeClr val="tx1"/>
+              </a:solidFill>
+            </a:endParaRPr>
+          </a:p>
+          <a:p>
+            <a:r>
+              <a:rPr kumimoji="1" lang="ko-KR" altLang="en-US" dirty="0" err="1">
+                <a:solidFill>
+                  <a:schemeClr val="tx1"/>
+                </a:solidFill>
+              </a:rPr>
+              <a:t>머신러닝을</a:t>
+            </a:r>
+            <a:r>
+              <a:rPr kumimoji="1" lang="ko-KR" altLang="en-US" dirty="0">
+                <a:solidFill>
+                  <a:schemeClr val="tx1"/>
+                </a:solidFill>
+              </a:rPr>
+              <a:t> 활용한 선발 투수 교체시기에 관한 연구</a:t>
+            </a:r>
+            <a:br>
+              <a:rPr kumimoji="1" lang="en-US" altLang="ko-KR" dirty="0">
+                <a:solidFill>
+                  <a:schemeClr val="tx1"/>
+                </a:solidFill>
+              </a:rPr>
+            </a:br>
+            <a:endParaRPr kumimoji="1" lang="en-US" altLang="ko-KR" dirty="0">
+              <a:solidFill>
+                <a:schemeClr val="tx1"/>
+              </a:solidFill>
+            </a:endParaRPr>
+          </a:p>
+          <a:p>
+            <a:r>
+              <a:rPr kumimoji="1" lang="ko-KR" altLang="en-US" dirty="0" err="1">
+                <a:solidFill>
+                  <a:schemeClr val="tx1"/>
+                </a:solidFill>
+              </a:rPr>
+              <a:t>머신러닝</a:t>
+            </a:r>
+            <a:r>
+              <a:rPr kumimoji="1" lang="en-US" altLang="ko-KR" dirty="0">
+                <a:solidFill>
+                  <a:schemeClr val="tx1"/>
+                </a:solidFill>
+              </a:rPr>
+              <a:t>(</a:t>
+            </a:r>
+            <a:r>
+              <a:rPr kumimoji="1" lang="en" altLang="ko-KR" dirty="0" err="1">
+                <a:solidFill>
+                  <a:schemeClr val="tx1"/>
+                </a:solidFill>
+              </a:rPr>
+              <a:t>XGBoost</a:t>
+            </a:r>
+            <a:r>
+              <a:rPr kumimoji="1" lang="en" altLang="ko-KR" dirty="0">
+                <a:solidFill>
+                  <a:schemeClr val="tx1"/>
+                </a:solidFill>
+              </a:rPr>
+              <a:t>)</a:t>
+            </a:r>
+            <a:r>
+              <a:rPr kumimoji="1" lang="ko-KR" altLang="en-US" dirty="0">
+                <a:solidFill>
+                  <a:schemeClr val="tx1"/>
+                </a:solidFill>
+              </a:rPr>
+              <a:t>기반 미국프로야구</a:t>
+            </a:r>
+            <a:r>
+              <a:rPr kumimoji="1" lang="en-US" altLang="ko-KR" dirty="0">
+                <a:solidFill>
+                  <a:schemeClr val="tx1"/>
+                </a:solidFill>
+              </a:rPr>
+              <a:t>(</a:t>
+            </a:r>
+            <a:r>
+              <a:rPr kumimoji="1" lang="en" altLang="ko-KR" dirty="0">
+                <a:solidFill>
+                  <a:schemeClr val="tx1"/>
+                </a:solidFill>
+              </a:rPr>
+              <a:t>MLB)</a:t>
+            </a:r>
+            <a:r>
+              <a:rPr kumimoji="1" lang="ko-KR" altLang="en-US" dirty="0">
+                <a:solidFill>
+                  <a:schemeClr val="tx1"/>
+                </a:solidFill>
+              </a:rPr>
+              <a:t>의 투구 별 안타 및 홈런 예측 모델 개발</a:t>
+            </a:r>
+            <a:br>
+              <a:rPr kumimoji="1" lang="en-US" altLang="ko-KR" dirty="0">
+                <a:solidFill>
+                  <a:schemeClr val="tx1"/>
+                </a:solidFill>
+              </a:rPr>
+            </a:br>
+            <a:endParaRPr kumimoji="1" lang="en-US" altLang="ko-KR" dirty="0">
+              <a:solidFill>
+                <a:schemeClr val="tx1"/>
+              </a:solidFill>
+            </a:endParaRPr>
+          </a:p>
+          <a:p>
+            <a:r>
+              <a:rPr kumimoji="1" lang="ko-KR" altLang="en-US" dirty="0">
+                <a:solidFill>
+                  <a:schemeClr val="tx1"/>
+                </a:solidFill>
+              </a:rPr>
+              <a:t>의사결정나무 분석 기법을 활용한 프로야구 외국인 투수 재계약 확률 예측 </a:t>
+            </a:r>
+          </a:p>
+          <a:p>
+            <a:pPr marL="0" indent="0">
+              <a:buNone/>
+            </a:pPr>
+            <a:endParaRPr kumimoji="1" lang="ko-KR" altLang="en-US" dirty="0">
+              <a:solidFill>
+                <a:schemeClr val="tx1"/>
+              </a:solidFill>
+            </a:endParaRPr>
+          </a:p>
+        </p:txBody>
+      </p:sp>
+    </p:spTree>
+    <p:extLst>
+      <p:ext uri="{BB962C8B-B14F-4D97-AF65-F5344CB8AC3E}">
+        <p14:creationId xmlns:p14="http://schemas.microsoft.com/office/powerpoint/2010/main" val="905670783"/>
       </p:ext>
     </p:extLst>
   </p:cSld>
